--- a/docs/ESM-Tools terminology.pptx
+++ b/docs/ESM-Tools terminology.pptx
@@ -5,7 +5,8 @@
     <p:sldMasterId id="2147483648" r:id="rId1"/>
   </p:sldMasterIdLst>
   <p:sldIdLst>
-    <p:sldId id="262" r:id="rId2"/>
+    <p:sldId id="263" r:id="rId2"/>
+    <p:sldId id="262" r:id="rId3"/>
   </p:sldIdLst>
   <p:sldSz cx="12192000" cy="6858000"/>
   <p:notesSz cx="6858000" cy="9144000"/>
@@ -2953,6 +2954,480 @@
 </file>
 
 <file path=ppt/slides/slide1.xml><?xml version="1.0" encoding="utf-8"?>
+<p:sld xmlns:a="http://schemas.openxmlformats.org/drawingml/2006/main" xmlns:r="http://schemas.openxmlformats.org/officeDocument/2006/relationships" xmlns:p="http://schemas.openxmlformats.org/presentationml/2006/main">
+  <p:cSld>
+    <p:spTree>
+      <p:nvGrpSpPr>
+        <p:cNvPr id="1" name=""/>
+        <p:cNvGrpSpPr/>
+        <p:nvPr/>
+      </p:nvGrpSpPr>
+      <p:grpSpPr>
+        <a:xfrm>
+          <a:off x="0" y="0"/>
+          <a:ext cx="0" cy="0"/>
+          <a:chOff x="0" y="0"/>
+          <a:chExt cx="0" cy="0"/>
+        </a:xfrm>
+      </p:grpSpPr>
+      <p:sp>
+        <p:nvSpPr>
+          <p:cNvPr id="2" name="Rectangle 1"/>
+          <p:cNvSpPr/>
+          <p:nvPr/>
+        </p:nvSpPr>
+        <p:spPr>
+          <a:xfrm>
+            <a:off x="0" y="2"/>
+            <a:ext cx="12192000" cy="1296364"/>
+          </a:xfrm>
+          <a:prstGeom prst="rect">
+            <a:avLst/>
+          </a:prstGeom>
+          <a:solidFill>
+            <a:srgbClr val="00ACE6"/>
+          </a:solidFill>
+          <a:ln>
+            <a:noFill/>
+          </a:ln>
+        </p:spPr>
+        <p:style>
+          <a:lnRef idx="2">
+            <a:schemeClr val="accent1">
+              <a:shade val="50000"/>
+            </a:schemeClr>
+          </a:lnRef>
+          <a:fillRef idx="1">
+            <a:schemeClr val="accent1"/>
+          </a:fillRef>
+          <a:effectRef idx="0">
+            <a:schemeClr val="accent1"/>
+          </a:effectRef>
+          <a:fontRef idx="minor">
+            <a:schemeClr val="lt1"/>
+          </a:fontRef>
+        </p:style>
+        <p:txBody>
+          <a:bodyPr rtlCol="0" anchor="ctr"/>
+          <a:lstStyle/>
+          <a:p>
+            <a:r>
+              <a:rPr lang="tr-TR" sz="4800" b="1" dirty="0" err="1"/>
+              <a:t>Terminology</a:t>
+            </a:r>
+            <a:endParaRPr lang="tr-TR" sz="4800" b="1" dirty="0"/>
+          </a:p>
+        </p:txBody>
+      </p:sp>
+      <p:sp>
+        <p:nvSpPr>
+          <p:cNvPr id="7" name="Isosceles Triangle 6"/>
+          <p:cNvSpPr/>
+          <p:nvPr/>
+        </p:nvSpPr>
+        <p:spPr>
+          <a:xfrm rot="5400000">
+            <a:off x="348693" y="2201054"/>
+            <a:ext cx="457812" cy="394666"/>
+          </a:xfrm>
+          <a:prstGeom prst="triangle">
+            <a:avLst/>
+          </a:prstGeom>
+          <a:solidFill>
+            <a:srgbClr val="00ACE6"/>
+          </a:solidFill>
+          <a:ln>
+            <a:noFill/>
+          </a:ln>
+        </p:spPr>
+        <p:style>
+          <a:lnRef idx="2">
+            <a:schemeClr val="accent1">
+              <a:shade val="50000"/>
+            </a:schemeClr>
+          </a:lnRef>
+          <a:fillRef idx="1">
+            <a:schemeClr val="accent1"/>
+          </a:fillRef>
+          <a:effectRef idx="0">
+            <a:schemeClr val="accent1"/>
+          </a:effectRef>
+          <a:fontRef idx="minor">
+            <a:schemeClr val="lt1"/>
+          </a:fontRef>
+        </p:style>
+        <p:txBody>
+          <a:bodyPr rtlCol="0" anchor="ctr"/>
+          <a:lstStyle/>
+          <a:p>
+            <a:pPr algn="ctr"/>
+            <a:endParaRPr lang="tr-TR"/>
+          </a:p>
+        </p:txBody>
+      </p:sp>
+      <p:sp>
+        <p:nvSpPr>
+          <p:cNvPr id="14" name="TextBox 13"/>
+          <p:cNvSpPr txBox="1"/>
+          <p:nvPr/>
+        </p:nvSpPr>
+        <p:spPr>
+          <a:xfrm>
+            <a:off x="1061012" y="2132460"/>
+            <a:ext cx="9833967" cy="830997"/>
+          </a:xfrm>
+          <a:prstGeom prst="rect">
+            <a:avLst/>
+          </a:prstGeom>
+          <a:noFill/>
+        </p:spPr>
+        <p:txBody>
+          <a:bodyPr wrap="square" rtlCol="0">
+            <a:spAutoFit/>
+          </a:bodyPr>
+          <a:lstStyle/>
+          <a:p>
+            <a:r>
+              <a:rPr lang="tr-TR" sz="2400" dirty="0"/>
+              <a:t>Through </a:t>
+            </a:r>
+            <a:r>
+              <a:rPr lang="tr-TR" sz="2400" dirty="0" err="1"/>
+              <a:t>out</a:t>
+            </a:r>
+            <a:r>
+              <a:rPr lang="tr-TR" sz="2400" dirty="0"/>
+              <a:t> </a:t>
+            </a:r>
+            <a:r>
+              <a:rPr lang="tr-TR" sz="2400" dirty="0" err="1"/>
+              <a:t>this</a:t>
+            </a:r>
+            <a:r>
+              <a:rPr lang="tr-TR" sz="2400" dirty="0"/>
+              <a:t> workshop </a:t>
+            </a:r>
+            <a:r>
+              <a:rPr lang="tr-TR" sz="2400" dirty="0" err="1"/>
+              <a:t>we</a:t>
+            </a:r>
+            <a:r>
+              <a:rPr lang="tr-TR" sz="2400" dirty="0"/>
+              <a:t> </a:t>
+            </a:r>
+            <a:r>
+              <a:rPr lang="tr-TR" sz="2400" dirty="0" err="1"/>
+              <a:t>will</a:t>
+            </a:r>
+            <a:r>
+              <a:rPr lang="tr-TR" sz="2400" dirty="0"/>
+              <a:t> be </a:t>
+            </a:r>
+            <a:r>
+              <a:rPr lang="tr-TR" sz="2400" dirty="0" err="1"/>
+              <a:t>using</a:t>
+            </a:r>
+            <a:r>
+              <a:rPr lang="tr-TR" sz="2400" dirty="0"/>
+              <a:t> ESM-Tools-</a:t>
+            </a:r>
+            <a:r>
+              <a:rPr lang="tr-TR" sz="2400" dirty="0" err="1"/>
+              <a:t>specific</a:t>
+            </a:r>
+            <a:r>
+              <a:rPr lang="tr-TR" sz="2400" dirty="0"/>
+              <a:t> </a:t>
+            </a:r>
+            <a:r>
+              <a:rPr lang="tr-TR" sz="2400" dirty="0" err="1"/>
+              <a:t>terms</a:t>
+            </a:r>
+            <a:r>
+              <a:rPr lang="tr-TR" sz="2400" dirty="0"/>
+              <a:t> </a:t>
+            </a:r>
+            <a:r>
+              <a:rPr lang="tr-TR" sz="2400" dirty="0" err="1"/>
+              <a:t>that</a:t>
+            </a:r>
+            <a:r>
+              <a:rPr lang="tr-TR" sz="2400" dirty="0"/>
+              <a:t> </a:t>
+            </a:r>
+            <a:r>
+              <a:rPr lang="tr-TR" sz="2400" dirty="0" err="1"/>
+              <a:t>you’ll</a:t>
+            </a:r>
+            <a:r>
+              <a:rPr lang="tr-TR" sz="2400" dirty="0"/>
+              <a:t> </a:t>
+            </a:r>
+            <a:r>
+              <a:rPr lang="tr-TR" sz="2400" dirty="0" err="1"/>
+              <a:t>need</a:t>
+            </a:r>
+            <a:r>
+              <a:rPr lang="tr-TR" sz="2400" dirty="0"/>
+              <a:t> </a:t>
+            </a:r>
+            <a:r>
+              <a:rPr lang="tr-TR" sz="2400" dirty="0" err="1"/>
+              <a:t>to</a:t>
+            </a:r>
+            <a:r>
+              <a:rPr lang="tr-TR" sz="2400" dirty="0"/>
+              <a:t> be </a:t>
+            </a:r>
+            <a:r>
+              <a:rPr lang="tr-TR" sz="2400" dirty="0" err="1"/>
+              <a:t>familiar</a:t>
+            </a:r>
+            <a:r>
+              <a:rPr lang="tr-TR" sz="2400" dirty="0"/>
+              <a:t> </a:t>
+            </a:r>
+            <a:r>
+              <a:rPr lang="tr-TR" sz="2400" dirty="0" err="1"/>
+              <a:t>with</a:t>
+            </a:r>
+            <a:r>
+              <a:rPr lang="tr-TR" sz="2400" dirty="0"/>
+              <a:t>. </a:t>
+            </a:r>
+            <a:r>
+              <a:rPr lang="tr-TR" sz="2400" dirty="0" err="1"/>
+              <a:t>Those</a:t>
+            </a:r>
+            <a:r>
+              <a:rPr lang="tr-TR" sz="2400" dirty="0"/>
+              <a:t> </a:t>
+            </a:r>
+            <a:r>
+              <a:rPr lang="tr-TR" sz="2400" dirty="0" err="1"/>
+              <a:t>terms</a:t>
+            </a:r>
+            <a:r>
+              <a:rPr lang="tr-TR" sz="2400" dirty="0"/>
+              <a:t> </a:t>
+            </a:r>
+            <a:r>
+              <a:rPr lang="tr-TR" sz="2400" dirty="0" err="1"/>
+              <a:t>are</a:t>
+            </a:r>
+            <a:r>
+              <a:rPr lang="tr-TR" sz="2400" dirty="0"/>
+              <a:t> </a:t>
+            </a:r>
+            <a:r>
+              <a:rPr lang="tr-TR" sz="2400" dirty="0" err="1"/>
+              <a:t>defined</a:t>
+            </a:r>
+            <a:r>
+              <a:rPr lang="tr-TR" sz="2400" dirty="0"/>
+              <a:t> in </a:t>
+            </a:r>
+            <a:r>
+              <a:rPr lang="tr-TR" sz="2400" dirty="0" err="1"/>
+              <a:t>this</a:t>
+            </a:r>
+            <a:r>
+              <a:rPr lang="tr-TR" sz="2400" dirty="0"/>
+              <a:t> </a:t>
+            </a:r>
+            <a:r>
+              <a:rPr lang="tr-TR" sz="2400" dirty="0" err="1"/>
+              <a:t>power</a:t>
+            </a:r>
+            <a:r>
+              <a:rPr lang="tr-TR" sz="2400" dirty="0"/>
+              <a:t> </a:t>
+            </a:r>
+            <a:r>
+              <a:rPr lang="tr-TR" sz="2400" dirty="0" err="1"/>
+              <a:t>point</a:t>
+            </a:r>
+            <a:r>
+              <a:rPr lang="tr-TR" sz="2400" dirty="0"/>
+              <a:t>. </a:t>
+            </a:r>
+          </a:p>
+        </p:txBody>
+      </p:sp>
+      <p:sp>
+        <p:nvSpPr>
+          <p:cNvPr id="13" name="Isosceles Triangle 6">
+            <a:extLst>
+              <a:ext uri="{FF2B5EF4-FFF2-40B4-BE49-F238E27FC236}">
+                <a16:creationId xmlns:a16="http://schemas.microsoft.com/office/drawing/2014/main" id="{466AFAFB-23EF-2AE3-96E6-3C2FB92CD07F}"/>
+              </a:ext>
+            </a:extLst>
+          </p:cNvPr>
+          <p:cNvSpPr/>
+          <p:nvPr/>
+        </p:nvSpPr>
+        <p:spPr>
+          <a:xfrm rot="5400000">
+            <a:off x="348693" y="3831125"/>
+            <a:ext cx="457812" cy="394666"/>
+          </a:xfrm>
+          <a:prstGeom prst="triangle">
+            <a:avLst/>
+          </a:prstGeom>
+          <a:solidFill>
+            <a:srgbClr val="00ACE6"/>
+          </a:solidFill>
+          <a:ln>
+            <a:noFill/>
+          </a:ln>
+        </p:spPr>
+        <p:style>
+          <a:lnRef idx="2">
+            <a:schemeClr val="accent1">
+              <a:shade val="50000"/>
+            </a:schemeClr>
+          </a:lnRef>
+          <a:fillRef idx="1">
+            <a:schemeClr val="accent1"/>
+          </a:fillRef>
+          <a:effectRef idx="0">
+            <a:schemeClr val="accent1"/>
+          </a:effectRef>
+          <a:fontRef idx="minor">
+            <a:schemeClr val="lt1"/>
+          </a:fontRef>
+        </p:style>
+        <p:txBody>
+          <a:bodyPr rtlCol="0" anchor="ctr"/>
+          <a:lstStyle/>
+          <a:p>
+            <a:pPr algn="ctr"/>
+            <a:endParaRPr lang="tr-TR"/>
+          </a:p>
+        </p:txBody>
+      </p:sp>
+      <p:sp>
+        <p:nvSpPr>
+          <p:cNvPr id="16" name="TextBox 15">
+            <a:extLst>
+              <a:ext uri="{FF2B5EF4-FFF2-40B4-BE49-F238E27FC236}">
+                <a16:creationId xmlns:a16="http://schemas.microsoft.com/office/drawing/2014/main" id="{DF44E65F-1A80-D99D-C750-8C24F228A285}"/>
+              </a:ext>
+            </a:extLst>
+          </p:cNvPr>
+          <p:cNvSpPr txBox="1"/>
+          <p:nvPr/>
+        </p:nvSpPr>
+        <p:spPr>
+          <a:xfrm>
+            <a:off x="1061012" y="3762531"/>
+            <a:ext cx="9833967" cy="461665"/>
+          </a:xfrm>
+          <a:prstGeom prst="rect">
+            <a:avLst/>
+          </a:prstGeom>
+          <a:noFill/>
+        </p:spPr>
+        <p:txBody>
+          <a:bodyPr wrap="square" rtlCol="0">
+            <a:spAutoFit/>
+          </a:bodyPr>
+          <a:lstStyle/>
+          <a:p>
+            <a:r>
+              <a:rPr lang="tr-TR" sz="2400" dirty="0" err="1"/>
+              <a:t>You’ll</a:t>
+            </a:r>
+            <a:r>
+              <a:rPr lang="tr-TR" sz="2400" dirty="0"/>
+              <a:t> </a:t>
+            </a:r>
+            <a:r>
+              <a:rPr lang="tr-TR" sz="2400" dirty="0" err="1"/>
+              <a:t>see</a:t>
+            </a:r>
+            <a:r>
+              <a:rPr lang="tr-TR" sz="2400" dirty="0"/>
+              <a:t> </a:t>
+            </a:r>
+            <a:r>
+              <a:rPr lang="tr-TR" sz="2400" dirty="0" err="1"/>
+              <a:t>those</a:t>
+            </a:r>
+            <a:r>
+              <a:rPr lang="tr-TR" sz="2400" dirty="0"/>
+              <a:t> </a:t>
+            </a:r>
+            <a:r>
+              <a:rPr lang="tr-TR" sz="2400" dirty="0" err="1"/>
+              <a:t>terms</a:t>
+            </a:r>
+            <a:r>
+              <a:rPr lang="tr-TR" sz="2400" dirty="0"/>
+              <a:t> in </a:t>
+            </a:r>
+            <a:r>
+              <a:rPr lang="tr-TR" sz="2400" dirty="0" err="1"/>
+              <a:t>the</a:t>
+            </a:r>
+            <a:r>
+              <a:rPr lang="tr-TR" sz="2400" dirty="0"/>
+              <a:t> </a:t>
+            </a:r>
+            <a:r>
+              <a:rPr lang="tr-TR" sz="2400" dirty="0" err="1"/>
+              <a:t>other</a:t>
+            </a:r>
+            <a:r>
+              <a:rPr lang="tr-TR" sz="2400" dirty="0"/>
+              <a:t> </a:t>
+            </a:r>
+            <a:r>
+              <a:rPr lang="tr-TR" sz="2400" dirty="0" err="1"/>
+              <a:t>slides</a:t>
+            </a:r>
+            <a:r>
+              <a:rPr lang="tr-TR" sz="2400" dirty="0"/>
+              <a:t> </a:t>
+            </a:r>
+            <a:r>
+              <a:rPr lang="tr-TR" sz="2400" dirty="0" err="1"/>
+              <a:t>colored</a:t>
+            </a:r>
+            <a:r>
+              <a:rPr lang="tr-TR" sz="2400" dirty="0"/>
+              <a:t> in </a:t>
+            </a:r>
+            <a:r>
+              <a:rPr lang="tr-TR" sz="2400" dirty="0" err="1">
+                <a:solidFill>
+                  <a:srgbClr val="ED7D31"/>
+                </a:solidFill>
+              </a:rPr>
+              <a:t>orange</a:t>
+            </a:r>
+            <a:endParaRPr lang="tr-TR" sz="2400" dirty="0">
+              <a:solidFill>
+                <a:srgbClr val="ED7D31"/>
+              </a:solidFill>
+            </a:endParaRPr>
+          </a:p>
+        </p:txBody>
+      </p:sp>
+    </p:spTree>
+    <p:extLst>
+      <p:ext uri="{BB962C8B-B14F-4D97-AF65-F5344CB8AC3E}">
+        <p14:creationId xmlns:p14="http://schemas.microsoft.com/office/powerpoint/2010/main" val="3590272520"/>
+      </p:ext>
+    </p:extLst>
+  </p:cSld>
+  <p:clrMapOvr>
+    <a:masterClrMapping/>
+  </p:clrMapOvr>
+</p:sld>
+</file>
+
+<file path=ppt/slides/slide2.xml><?xml version="1.0" encoding="utf-8"?>
 <p:sld xmlns:a="http://schemas.openxmlformats.org/drawingml/2006/main" xmlns:r="http://schemas.openxmlformats.org/officeDocument/2006/relationships" xmlns:p="http://schemas.openxmlformats.org/presentationml/2006/main">
   <p:cSld>
     <p:spTree>

--- a/docs/ESM-Tools terminology.pptx
+++ b/docs/ESM-Tools terminology.pptx
@@ -3012,10 +3012,9 @@
           <a:lstStyle/>
           <a:p>
             <a:r>
-              <a:rPr lang="tr-TR" sz="4800" b="1" dirty="0" err="1"/>
+              <a:rPr lang="en-GB" sz="4800" b="1"/>
               <a:t>Terminology</a:t>
             </a:r>
-            <a:endParaRPr lang="tr-TR" sz="4800" b="1" dirty="0"/>
           </a:p>
         </p:txBody>
       </p:sp>
@@ -3061,7 +3060,7 @@
           <a:lstStyle/>
           <a:p>
             <a:pPr algn="ctr"/>
-            <a:endParaRPr lang="tr-TR"/>
+            <a:endParaRPr lang="en-GB"/>
           </a:p>
         </p:txBody>
       </p:sp>
@@ -3088,168 +3087,8 @@
           <a:lstStyle/>
           <a:p>
             <a:r>
-              <a:rPr lang="tr-TR" sz="2400" dirty="0"/>
-              <a:t>Through </a:t>
-            </a:r>
-            <a:r>
-              <a:rPr lang="tr-TR" sz="2400" dirty="0" err="1"/>
-              <a:t>out</a:t>
-            </a:r>
-            <a:r>
-              <a:rPr lang="tr-TR" sz="2400" dirty="0"/>
-              <a:t> </a:t>
-            </a:r>
-            <a:r>
-              <a:rPr lang="tr-TR" sz="2400" dirty="0" err="1"/>
-              <a:t>this</a:t>
-            </a:r>
-            <a:r>
-              <a:rPr lang="tr-TR" sz="2400" dirty="0"/>
-              <a:t> workshop </a:t>
-            </a:r>
-            <a:r>
-              <a:rPr lang="tr-TR" sz="2400" dirty="0" err="1"/>
-              <a:t>we</a:t>
-            </a:r>
-            <a:r>
-              <a:rPr lang="tr-TR" sz="2400" dirty="0"/>
-              <a:t> </a:t>
-            </a:r>
-            <a:r>
-              <a:rPr lang="tr-TR" sz="2400" dirty="0" err="1"/>
-              <a:t>will</a:t>
-            </a:r>
-            <a:r>
-              <a:rPr lang="tr-TR" sz="2400" dirty="0"/>
-              <a:t> be </a:t>
-            </a:r>
-            <a:r>
-              <a:rPr lang="tr-TR" sz="2400" dirty="0" err="1"/>
-              <a:t>using</a:t>
-            </a:r>
-            <a:r>
-              <a:rPr lang="tr-TR" sz="2400" dirty="0"/>
-              <a:t> ESM-Tools-</a:t>
-            </a:r>
-            <a:r>
-              <a:rPr lang="tr-TR" sz="2400" dirty="0" err="1"/>
-              <a:t>specific</a:t>
-            </a:r>
-            <a:r>
-              <a:rPr lang="tr-TR" sz="2400" dirty="0"/>
-              <a:t> </a:t>
-            </a:r>
-            <a:r>
-              <a:rPr lang="tr-TR" sz="2400" dirty="0" err="1"/>
-              <a:t>terms</a:t>
-            </a:r>
-            <a:r>
-              <a:rPr lang="tr-TR" sz="2400" dirty="0"/>
-              <a:t> </a:t>
-            </a:r>
-            <a:r>
-              <a:rPr lang="tr-TR" sz="2400" dirty="0" err="1"/>
-              <a:t>that</a:t>
-            </a:r>
-            <a:r>
-              <a:rPr lang="tr-TR" sz="2400" dirty="0"/>
-              <a:t> </a:t>
-            </a:r>
-            <a:r>
-              <a:rPr lang="tr-TR" sz="2400" dirty="0" err="1"/>
-              <a:t>you’ll</a:t>
-            </a:r>
-            <a:r>
-              <a:rPr lang="tr-TR" sz="2400" dirty="0"/>
-              <a:t> </a:t>
-            </a:r>
-            <a:r>
-              <a:rPr lang="tr-TR" sz="2400" dirty="0" err="1"/>
-              <a:t>need</a:t>
-            </a:r>
-            <a:r>
-              <a:rPr lang="tr-TR" sz="2400" dirty="0"/>
-              <a:t> </a:t>
-            </a:r>
-            <a:r>
-              <a:rPr lang="tr-TR" sz="2400" dirty="0" err="1"/>
-              <a:t>to</a:t>
-            </a:r>
-            <a:r>
-              <a:rPr lang="tr-TR" sz="2400" dirty="0"/>
-              <a:t> be </a:t>
-            </a:r>
-            <a:r>
-              <a:rPr lang="tr-TR" sz="2400" dirty="0" err="1"/>
-              <a:t>familiar</a:t>
-            </a:r>
-            <a:r>
-              <a:rPr lang="tr-TR" sz="2400" dirty="0"/>
-              <a:t> </a:t>
-            </a:r>
-            <a:r>
-              <a:rPr lang="tr-TR" sz="2400" dirty="0" err="1"/>
-              <a:t>with</a:t>
-            </a:r>
-            <a:r>
-              <a:rPr lang="tr-TR" sz="2400" dirty="0"/>
-              <a:t>. </a:t>
-            </a:r>
-            <a:r>
-              <a:rPr lang="tr-TR" sz="2400" dirty="0" err="1"/>
-              <a:t>Those</a:t>
-            </a:r>
-            <a:r>
-              <a:rPr lang="tr-TR" sz="2400" dirty="0"/>
-              <a:t> </a:t>
-            </a:r>
-            <a:r>
-              <a:rPr lang="tr-TR" sz="2400" dirty="0" err="1"/>
-              <a:t>terms</a:t>
-            </a:r>
-            <a:r>
-              <a:rPr lang="tr-TR" sz="2400" dirty="0"/>
-              <a:t> </a:t>
-            </a:r>
-            <a:r>
-              <a:rPr lang="tr-TR" sz="2400" dirty="0" err="1"/>
-              <a:t>are</a:t>
-            </a:r>
-            <a:r>
-              <a:rPr lang="tr-TR" sz="2400" dirty="0"/>
-              <a:t> </a:t>
-            </a:r>
-            <a:r>
-              <a:rPr lang="tr-TR" sz="2400" dirty="0" err="1"/>
-              <a:t>defined</a:t>
-            </a:r>
-            <a:r>
-              <a:rPr lang="tr-TR" sz="2400" dirty="0"/>
-              <a:t> in </a:t>
-            </a:r>
-            <a:r>
-              <a:rPr lang="tr-TR" sz="2400" dirty="0" err="1"/>
-              <a:t>this</a:t>
-            </a:r>
-            <a:r>
-              <a:rPr lang="tr-TR" sz="2400" dirty="0"/>
-              <a:t> </a:t>
-            </a:r>
-            <a:r>
-              <a:rPr lang="tr-TR" sz="2400" dirty="0" err="1"/>
-              <a:t>power</a:t>
-            </a:r>
-            <a:r>
-              <a:rPr lang="tr-TR" sz="2400" dirty="0"/>
-              <a:t> </a:t>
-            </a:r>
-            <a:r>
-              <a:rPr lang="tr-TR" sz="2400" dirty="0" err="1"/>
-              <a:t>point</a:t>
-            </a:r>
-            <a:r>
-              <a:rPr lang="tr-TR" sz="2400" dirty="0"/>
-              <a:t>. </a:t>
+              <a:rPr lang="en-GB" sz="2400"/>
+              <a:t>Through out this workshop we will be using ESM-Tools-specific terms that you’ll need to be familiar with. Those terms are defined in this power point. </a:t>
             </a:r>
           </a:p>
         </p:txBody>
@@ -3302,7 +3141,7 @@
           <a:lstStyle/>
           <a:p>
             <a:pPr algn="ctr"/>
-            <a:endParaRPr lang="tr-TR"/>
+            <a:endParaRPr lang="en-GB"/>
           </a:p>
         </p:txBody>
       </p:sp>
@@ -3335,82 +3174,17 @@
           <a:lstStyle/>
           <a:p>
             <a:r>
-              <a:rPr lang="tr-TR" sz="2400" dirty="0" err="1"/>
-              <a:t>You’ll</a:t>
-            </a:r>
-            <a:r>
-              <a:rPr lang="tr-TR" sz="2400" dirty="0"/>
-              <a:t> </a:t>
-            </a:r>
-            <a:r>
-              <a:rPr lang="tr-TR" sz="2400" dirty="0" err="1"/>
-              <a:t>see</a:t>
-            </a:r>
-            <a:r>
-              <a:rPr lang="tr-TR" sz="2400" dirty="0"/>
-              <a:t> </a:t>
-            </a:r>
-            <a:r>
-              <a:rPr lang="tr-TR" sz="2400" dirty="0" err="1"/>
-              <a:t>those</a:t>
-            </a:r>
-            <a:r>
-              <a:rPr lang="tr-TR" sz="2400" dirty="0"/>
-              <a:t> </a:t>
-            </a:r>
-            <a:r>
-              <a:rPr lang="tr-TR" sz="2400" dirty="0" err="1"/>
-              <a:t>terms</a:t>
-            </a:r>
-            <a:r>
-              <a:rPr lang="tr-TR" sz="2400" dirty="0"/>
-              <a:t> in </a:t>
-            </a:r>
-            <a:r>
-              <a:rPr lang="tr-TR" sz="2400" dirty="0" err="1"/>
-              <a:t>the</a:t>
-            </a:r>
-            <a:r>
-              <a:rPr lang="tr-TR" sz="2400" dirty="0"/>
-              <a:t> </a:t>
-            </a:r>
-            <a:r>
-              <a:rPr lang="tr-TR" sz="2400" dirty="0" err="1"/>
-              <a:t>other</a:t>
-            </a:r>
-            <a:r>
-              <a:rPr lang="tr-TR" sz="2400" dirty="0"/>
-              <a:t> </a:t>
-            </a:r>
-            <a:r>
-              <a:rPr lang="tr-TR" sz="2400" dirty="0" err="1"/>
-              <a:t>slides</a:t>
-            </a:r>
-            <a:r>
-              <a:rPr lang="tr-TR" sz="2400" dirty="0"/>
-              <a:t> </a:t>
-            </a:r>
-            <a:r>
-              <a:rPr lang="tr-TR" sz="2400" dirty="0" err="1"/>
-              <a:t>colored</a:t>
-            </a:r>
-            <a:r>
-              <a:rPr lang="tr-TR" sz="2400" dirty="0"/>
-              <a:t> in </a:t>
-            </a:r>
-            <a:r>
-              <a:rPr lang="tr-TR" sz="2400" dirty="0" err="1">
+              <a:rPr lang="en-GB" sz="2400"/>
+              <a:t>You’ll see those terms in the other slides colored in </a:t>
+            </a:r>
+            <a:r>
+              <a:rPr lang="en-GB" sz="2400">
                 <a:solidFill>
                   <a:srgbClr val="ED7D31"/>
                 </a:solidFill>
               </a:rPr>
               <a:t>orange</a:t>
             </a:r>
-            <a:endParaRPr lang="tr-TR" sz="2400" dirty="0">
-              <a:solidFill>
-                <a:srgbClr val="ED7D31"/>
-              </a:solidFill>
-            </a:endParaRPr>
           </a:p>
         </p:txBody>
       </p:sp>
@@ -3486,26 +3260,9 @@
           <a:lstStyle/>
           <a:p>
             <a:r>
-              <a:rPr lang="tr-TR" sz="4800" b="1" dirty="0" err="1"/>
-              <a:t>Terminology</a:t>
-            </a:r>
-            <a:r>
-              <a:rPr lang="tr-TR" sz="4800" b="1" dirty="0"/>
-              <a:t> - </a:t>
-            </a:r>
-            <a:r>
-              <a:rPr lang="tr-TR" sz="4800" b="1" dirty="0" err="1"/>
-              <a:t>configuration</a:t>
-            </a:r>
-            <a:r>
-              <a:rPr lang="tr-TR" sz="4800" b="1" dirty="0"/>
-              <a:t> </a:t>
-            </a:r>
-            <a:r>
-              <a:rPr lang="tr-TR" sz="4800" b="1" dirty="0" err="1"/>
-              <a:t>files</a:t>
-            </a:r>
-            <a:endParaRPr lang="tr-TR" sz="4800" b="1" dirty="0"/>
+              <a:rPr lang="en-GB" sz="4800" b="1"/>
+              <a:t>Terminology - configuration files</a:t>
+            </a:r>
           </a:p>
         </p:txBody>
       </p:sp>
@@ -3551,7 +3308,7 @@
           <a:lstStyle/>
           <a:p>
             <a:pPr algn="ctr"/>
-            <a:endParaRPr lang="tr-TR"/>
+            <a:endParaRPr lang="en-GB"/>
           </a:p>
         </p:txBody>
       </p:sp>
@@ -3578,193 +3335,43 @@
           <a:lstStyle/>
           <a:p>
             <a:r>
-              <a:rPr lang="tr-TR" sz="2400" dirty="0" err="1"/>
-              <a:t>The</a:t>
-            </a:r>
-            <a:r>
-              <a:rPr lang="tr-TR" sz="2400" dirty="0"/>
-              <a:t> </a:t>
-            </a:r>
-            <a:r>
-              <a:rPr lang="tr-TR" sz="2400" dirty="0" err="1"/>
-              <a:t>yaml</a:t>
-            </a:r>
-            <a:r>
-              <a:rPr lang="tr-TR" sz="2400" dirty="0"/>
-              <a:t> </a:t>
-            </a:r>
-            <a:r>
-              <a:rPr lang="tr-TR" sz="2400" dirty="0" err="1"/>
-              <a:t>files</a:t>
-            </a:r>
-            <a:r>
-              <a:rPr lang="tr-TR" sz="2400" dirty="0"/>
-              <a:t> </a:t>
-            </a:r>
-            <a:r>
-              <a:rPr lang="tr-TR" sz="2400" dirty="0" err="1"/>
-              <a:t>that</a:t>
-            </a:r>
-            <a:r>
-              <a:rPr lang="tr-TR" sz="2400" dirty="0"/>
-              <a:t> </a:t>
-            </a:r>
-            <a:r>
-              <a:rPr lang="tr-TR" sz="2400" dirty="0" err="1"/>
-              <a:t>contain</a:t>
-            </a:r>
-            <a:r>
-              <a:rPr lang="tr-TR" sz="2400" dirty="0"/>
-              <a:t> </a:t>
-            </a:r>
-            <a:r>
-              <a:rPr lang="tr-TR" sz="2400" dirty="0" err="1"/>
-              <a:t>the</a:t>
-            </a:r>
-            <a:r>
-              <a:rPr lang="tr-TR" sz="2400" dirty="0"/>
-              <a:t> </a:t>
-            </a:r>
-            <a:r>
-              <a:rPr lang="tr-TR" sz="2400" b="1" dirty="0" err="1">
+              <a:rPr lang="en-GB" sz="2400"/>
+              <a:t>The yaml files that contain the </a:t>
+            </a:r>
+            <a:r>
+              <a:rPr lang="en-GB" sz="2400" b="1">
                 <a:solidFill>
                   <a:srgbClr val="31ACE6"/>
                 </a:solidFill>
               </a:rPr>
-              <a:t>default</a:t>
-            </a:r>
-            <a:r>
-              <a:rPr lang="tr-TR" sz="2400" b="1" dirty="0">
-                <a:solidFill>
-                  <a:srgbClr val="31ACE6"/>
-                </a:solidFill>
-              </a:rPr>
-              <a:t> </a:t>
-            </a:r>
-            <a:r>
-              <a:rPr lang="tr-TR" sz="2400" b="1" dirty="0" err="1">
-                <a:solidFill>
-                  <a:srgbClr val="31ACE6"/>
-                </a:solidFill>
-              </a:rPr>
-              <a:t>configurations</a:t>
-            </a:r>
-            <a:r>
-              <a:rPr lang="tr-TR" sz="2400" dirty="0"/>
-              <a:t> </a:t>
-            </a:r>
-            <a:r>
-              <a:rPr lang="tr-TR" sz="2400" dirty="0" err="1"/>
-              <a:t>for</a:t>
-            </a:r>
-            <a:r>
-              <a:rPr lang="tr-TR" sz="2400" dirty="0"/>
-              <a:t> </a:t>
-            </a:r>
-            <a:r>
-              <a:rPr lang="tr-TR" sz="2400" dirty="0" err="1"/>
-              <a:t>HPCs</a:t>
-            </a:r>
-            <a:r>
-              <a:rPr lang="tr-TR" sz="2400" dirty="0"/>
-              <a:t>, </a:t>
-            </a:r>
-            <a:r>
-              <a:rPr lang="tr-TR" sz="2400" dirty="0" err="1"/>
-              <a:t>models</a:t>
-            </a:r>
-            <a:r>
-              <a:rPr lang="tr-TR" sz="2400" dirty="0"/>
-              <a:t>, </a:t>
-            </a:r>
-            <a:r>
-              <a:rPr lang="tr-TR" sz="2400" dirty="0" err="1"/>
-              <a:t>coupled</a:t>
-            </a:r>
-            <a:r>
-              <a:rPr lang="tr-TR" sz="2400" dirty="0"/>
-              <a:t> </a:t>
-            </a:r>
-            <a:r>
-              <a:rPr lang="tr-TR" sz="2400" dirty="0" err="1"/>
-              <a:t>systems</a:t>
-            </a:r>
-            <a:r>
-              <a:rPr lang="tr-TR" sz="2400" dirty="0"/>
-              <a:t>, </a:t>
-            </a:r>
-            <a:r>
-              <a:rPr lang="tr-TR" sz="2400" dirty="0" err="1"/>
-              <a:t>job</a:t>
-            </a:r>
-            <a:r>
-              <a:rPr lang="tr-TR" sz="2400" dirty="0"/>
-              <a:t> </a:t>
-            </a:r>
-            <a:r>
-              <a:rPr lang="tr-TR" sz="2400" dirty="0" err="1"/>
-              <a:t>schedulers</a:t>
-            </a:r>
-            <a:r>
-              <a:rPr lang="tr-TR" sz="2400" dirty="0"/>
-              <a:t> (SLURM, PBS), </a:t>
-            </a:r>
-            <a:r>
-              <a:rPr lang="tr-TR" sz="2400" dirty="0" err="1"/>
-              <a:t>default</a:t>
-            </a:r>
-            <a:r>
-              <a:rPr lang="tr-TR" sz="2400" dirty="0"/>
-              <a:t> ESM-Tools </a:t>
-            </a:r>
-            <a:r>
-              <a:rPr lang="tr-TR" sz="2400" dirty="0" err="1"/>
-              <a:t>recipes</a:t>
-            </a:r>
-            <a:r>
-              <a:rPr lang="tr-TR" sz="2400" dirty="0"/>
-              <a:t>, …</a:t>
-            </a:r>
-          </a:p>
-          <a:p>
-            <a:endParaRPr lang="tr-TR" sz="2400" dirty="0"/>
-          </a:p>
-          <a:p>
-            <a:r>
-              <a:rPr lang="tr-TR" dirty="0" err="1">
+              <a:t>default configurations</a:t>
+            </a:r>
+            <a:r>
+              <a:rPr lang="en-GB" sz="2400"/>
+              <a:t> for HPCs, models, coupled systems, job schedulers (SLURM, PBS), default ESM-Tools recipes, …</a:t>
+            </a:r>
+          </a:p>
+          <a:p>
+            <a:endParaRPr lang="en-GB" sz="2400"/>
+          </a:p>
+          <a:p>
+            <a:r>
+              <a:rPr lang="en-GB">
                 <a:latin typeface="Monaco" pitchFamily="2" charset="77"/>
               </a:rPr>
-              <a:t>esm_tools</a:t>
-            </a:r>
-            <a:r>
-              <a:rPr lang="tr-TR" dirty="0">
-                <a:latin typeface="Monaco" pitchFamily="2" charset="77"/>
-              </a:rPr>
-              <a:t>/</a:t>
-            </a:r>
-            <a:r>
-              <a:rPr lang="tr-TR" dirty="0" err="1">
-                <a:latin typeface="Monaco" pitchFamily="2" charset="77"/>
-              </a:rPr>
-              <a:t>configs</a:t>
-            </a:r>
-            <a:r>
-              <a:rPr lang="tr-TR" dirty="0">
-                <a:latin typeface="Monaco" pitchFamily="2" charset="77"/>
-              </a:rPr>
-              <a:t>/</a:t>
-            </a:r>
-            <a:endParaRPr lang="tr-TR" sz="2400" dirty="0">
+              <a:t>esm_tools/configs/</a:t>
+            </a:r>
+            <a:endParaRPr lang="en-GB" sz="2400">
               <a:latin typeface="Monaco" pitchFamily="2" charset="77"/>
             </a:endParaRPr>
           </a:p>
           <a:p>
             <a:r>
-              <a:rPr lang="tr-TR" sz="2400" dirty="0"/>
+              <a:rPr lang="en-GB" sz="2400"/>
               <a:t>	</a:t>
             </a:r>
             <a:r>
-              <a:rPr lang="tr-TR" sz="2000" b="1" dirty="0" err="1">
+              <a:rPr lang="en-GB" sz="2000" b="1">
                 <a:solidFill>
                   <a:srgbClr val="31ACE6"/>
                 </a:solidFill>
@@ -3773,46 +3380,17 @@
               <a:t>components</a:t>
             </a:r>
             <a:r>
-              <a:rPr lang="tr-TR" sz="2400" dirty="0"/>
-              <a:t>    		</a:t>
-            </a:r>
-            <a:r>
-              <a:rPr lang="tr-TR" sz="2400" dirty="0" err="1"/>
-              <a:t>Stand-alone</a:t>
-            </a:r>
-            <a:r>
-              <a:rPr lang="tr-TR" sz="2400" dirty="0"/>
-              <a:t> model, </a:t>
-            </a:r>
-            <a:r>
-              <a:rPr lang="tr-TR" sz="2400" dirty="0" err="1"/>
-              <a:t>couplers</a:t>
-            </a:r>
-            <a:r>
-              <a:rPr lang="tr-TR" sz="2400" dirty="0"/>
-              <a:t>, I/O </a:t>
-            </a:r>
-            <a:r>
-              <a:rPr lang="tr-TR" sz="2400" dirty="0" err="1"/>
-              <a:t>libraries</a:t>
-            </a:r>
-            <a:r>
-              <a:rPr lang="tr-TR" sz="2400" dirty="0"/>
-              <a:t> </a:t>
-            </a:r>
-            <a:r>
-              <a:rPr lang="tr-TR" sz="2400" dirty="0" err="1"/>
-              <a:t>configurations</a:t>
-            </a:r>
-            <a:endParaRPr lang="tr-TR" sz="2400" dirty="0"/>
-          </a:p>
-          <a:p>
-            <a:r>
-              <a:rPr lang="tr-TR" sz="2400" dirty="0"/>
+              <a:rPr lang="en-GB" sz="2400"/>
+              <a:t>    		Stand-alone model, couplers, I/O libraries configurations</a:t>
+            </a:r>
+          </a:p>
+          <a:p>
+            <a:r>
+              <a:rPr lang="en-GB" sz="2400"/>
               <a:t>	</a:t>
             </a:r>
             <a:r>
-              <a:rPr lang="tr-TR" sz="2000" b="1" dirty="0" err="1">
+              <a:rPr lang="en-GB" sz="2000" b="1">
                 <a:solidFill>
                   <a:srgbClr val="31ACE6"/>
                 </a:solidFill>
@@ -3821,46 +3399,17 @@
               <a:t>setups</a:t>
             </a:r>
             <a:r>
-              <a:rPr lang="tr-TR" sz="2400" dirty="0"/>
-              <a:t> 		</a:t>
-            </a:r>
-            <a:r>
-              <a:rPr lang="tr-TR" sz="2400" dirty="0" err="1"/>
-              <a:t>Coupled</a:t>
-            </a:r>
-            <a:r>
-              <a:rPr lang="tr-TR" sz="2400" dirty="0"/>
-              <a:t> </a:t>
-            </a:r>
-            <a:r>
-              <a:rPr lang="tr-TR" sz="2400" dirty="0" err="1"/>
-              <a:t>system</a:t>
-            </a:r>
-            <a:r>
-              <a:rPr lang="tr-TR" sz="2400" dirty="0"/>
-              <a:t> </a:t>
-            </a:r>
-            <a:r>
-              <a:rPr lang="tr-TR" sz="2400" dirty="0" err="1"/>
-              <a:t>default</a:t>
-            </a:r>
-            <a:r>
-              <a:rPr lang="tr-TR" sz="2400" dirty="0"/>
-              <a:t> </a:t>
-            </a:r>
-            <a:r>
-              <a:rPr lang="tr-TR" sz="2400" dirty="0" err="1"/>
-              <a:t>configurations</a:t>
-            </a:r>
-            <a:endParaRPr lang="tr-TR" sz="2400" dirty="0"/>
-          </a:p>
-          <a:p>
-            <a:r>
-              <a:rPr lang="tr-TR" sz="2400" dirty="0"/>
+              <a:rPr lang="en-GB" sz="2400"/>
+              <a:t> 		Coupled system default configurations</a:t>
+            </a:r>
+          </a:p>
+          <a:p>
+            <a:r>
+              <a:rPr lang="en-GB" sz="2400"/>
               <a:t>	</a:t>
             </a:r>
             <a:r>
-              <a:rPr lang="tr-TR" sz="2000" b="1" dirty="0" err="1">
+              <a:rPr lang="en-GB" sz="2000" b="1">
                 <a:solidFill>
                   <a:srgbClr val="31ACE6"/>
                 </a:solidFill>
@@ -3869,319 +3418,85 @@
               <a:t>machines</a:t>
             </a:r>
             <a:r>
-              <a:rPr lang="tr-TR" sz="2400" dirty="0"/>
-              <a:t>		HPC </a:t>
-            </a:r>
-            <a:r>
-              <a:rPr lang="tr-TR" sz="2400" dirty="0" err="1"/>
-              <a:t>default</a:t>
-            </a:r>
-            <a:r>
-              <a:rPr lang="tr-TR" sz="2400" dirty="0"/>
-              <a:t> </a:t>
-            </a:r>
-            <a:r>
-              <a:rPr lang="tr-TR" sz="2400" dirty="0" err="1"/>
-              <a:t>configurations</a:t>
-            </a:r>
-            <a:endParaRPr lang="tr-TR" sz="2400" dirty="0"/>
-          </a:p>
-          <a:p>
-            <a:r>
-              <a:rPr lang="tr-TR" sz="2400" dirty="0"/>
+              <a:rPr lang="en-GB" sz="2400"/>
+              <a:t>		HPC default configurations</a:t>
+            </a:r>
+          </a:p>
+          <a:p>
+            <a:r>
+              <a:rPr lang="en-GB" sz="2400"/>
               <a:t>	</a:t>
             </a:r>
             <a:r>
-              <a:rPr lang="tr-TR" sz="2000" dirty="0" err="1">
+              <a:rPr lang="en-GB" sz="2000">
                 <a:latin typeface="Monaco" pitchFamily="2" charset="77"/>
               </a:rPr>
               <a:t>coupling</a:t>
             </a:r>
             <a:r>
-              <a:rPr lang="tr-TR" sz="2400" dirty="0"/>
-              <a:t>		Source </a:t>
-            </a:r>
-            <a:r>
-              <a:rPr lang="tr-TR" sz="2400" dirty="0" err="1"/>
-              <a:t>code</a:t>
-            </a:r>
-            <a:r>
-              <a:rPr lang="tr-TR" sz="2400" dirty="0"/>
-              <a:t> </a:t>
-            </a:r>
-            <a:r>
-              <a:rPr lang="tr-TR" sz="2400" dirty="0" err="1"/>
-              <a:t>branch</a:t>
-            </a:r>
-            <a:r>
-              <a:rPr lang="tr-TR" sz="2400" dirty="0"/>
-              <a:t> </a:t>
-            </a:r>
-            <a:r>
-              <a:rPr lang="tr-TR" sz="2400" dirty="0" err="1"/>
-              <a:t>information</a:t>
-            </a:r>
-            <a:r>
-              <a:rPr lang="tr-TR" sz="2400" dirty="0"/>
-              <a:t> </a:t>
-            </a:r>
-            <a:r>
-              <a:rPr lang="tr-TR" sz="2400" dirty="0" err="1"/>
-              <a:t>for</a:t>
-            </a:r>
-            <a:r>
-              <a:rPr lang="tr-TR" sz="2400" dirty="0"/>
-              <a:t> </a:t>
-            </a:r>
-            <a:r>
-              <a:rPr lang="tr-TR" sz="2400" dirty="0" err="1"/>
-              <a:t>coupled</a:t>
-            </a:r>
-            <a:r>
-              <a:rPr lang="tr-TR" sz="2400" dirty="0"/>
-              <a:t> </a:t>
-            </a:r>
-            <a:r>
-              <a:rPr lang="tr-TR" sz="2400" dirty="0" err="1"/>
-              <a:t>system</a:t>
-            </a:r>
-            <a:endParaRPr lang="tr-TR" sz="2400" dirty="0"/>
-          </a:p>
-          <a:p>
-            <a:r>
-              <a:rPr lang="tr-TR" sz="2400" dirty="0"/>
-              <a:t>				</a:t>
-            </a:r>
-            <a:r>
-              <a:rPr lang="tr-TR" sz="2400" dirty="0" err="1"/>
-              <a:t>stored</a:t>
-            </a:r>
-            <a:r>
-              <a:rPr lang="tr-TR" sz="2400" dirty="0"/>
-              <a:t> here, </a:t>
-            </a:r>
-            <a:r>
-              <a:rPr lang="tr-TR" sz="2400" dirty="0" err="1"/>
-              <a:t>only</a:t>
-            </a:r>
-            <a:r>
-              <a:rPr lang="tr-TR" sz="2400" dirty="0"/>
-              <a:t> </a:t>
-            </a:r>
-            <a:r>
-              <a:rPr lang="tr-TR" sz="2400" dirty="0" err="1"/>
-              <a:t>for</a:t>
-            </a:r>
-            <a:r>
-              <a:rPr lang="tr-TR" sz="2400" dirty="0"/>
-              <a:t> </a:t>
-            </a:r>
-            <a:r>
-              <a:rPr lang="tr-TR" sz="2400" dirty="0" err="1"/>
-              <a:t>use</a:t>
-            </a:r>
-            <a:r>
-              <a:rPr lang="tr-TR" sz="2400" dirty="0"/>
-              <a:t> in ESM-Master (</a:t>
-            </a:r>
-            <a:r>
-              <a:rPr lang="tr-TR" sz="2400" dirty="0" err="1"/>
-              <a:t>to</a:t>
-            </a:r>
-            <a:r>
-              <a:rPr lang="tr-TR" sz="2400" dirty="0"/>
-              <a:t> be </a:t>
-            </a:r>
-            <a:r>
-              <a:rPr lang="tr-TR" sz="2400" dirty="0" err="1"/>
-              <a:t>removed</a:t>
-            </a:r>
-            <a:r>
-              <a:rPr lang="tr-TR" sz="2400" dirty="0"/>
-              <a:t> in</a:t>
-            </a:r>
-          </a:p>
-          <a:p>
-            <a:r>
-              <a:rPr lang="tr-TR" sz="2400" dirty="0"/>
-              <a:t>				</a:t>
-            </a:r>
-            <a:r>
-              <a:rPr lang="tr-TR" sz="2400" dirty="0" err="1"/>
-              <a:t>the</a:t>
-            </a:r>
-            <a:r>
-              <a:rPr lang="tr-TR" sz="2400" dirty="0"/>
-              <a:t> </a:t>
-            </a:r>
-            <a:r>
-              <a:rPr lang="tr-TR" sz="2400" dirty="0" err="1"/>
-              <a:t>future</a:t>
-            </a:r>
-            <a:r>
-              <a:rPr lang="tr-TR" sz="2400" dirty="0"/>
-              <a:t>)</a:t>
-            </a:r>
-          </a:p>
-          <a:p>
-            <a:r>
-              <a:rPr lang="tr-TR" sz="2400" dirty="0"/>
+              <a:rPr lang="en-GB" sz="2400"/>
+              <a:t>		Source code branch information for coupled system</a:t>
+            </a:r>
+          </a:p>
+          <a:p>
+            <a:r>
+              <a:rPr lang="en-GB" sz="2400"/>
+              <a:t>				stored here, only for use in ESM-Master (to be removed in</a:t>
+            </a:r>
+          </a:p>
+          <a:p>
+            <a:r>
+              <a:rPr lang="en-GB" sz="2400"/>
+              <a:t>				the future)</a:t>
+            </a:r>
+          </a:p>
+          <a:p>
+            <a:r>
+              <a:rPr lang="en-GB" sz="2400"/>
               <a:t>	</a:t>
             </a:r>
             <a:r>
-              <a:rPr lang="tr-TR" sz="2000" dirty="0" err="1">
+              <a:rPr lang="en-GB" sz="2000">
                 <a:latin typeface="Monaco" pitchFamily="2" charset="77"/>
               </a:rPr>
               <a:t>default</a:t>
             </a:r>
             <a:r>
-              <a:rPr lang="tr-TR" sz="2400" dirty="0"/>
-              <a:t> 		ESM-Tools </a:t>
-            </a:r>
-            <a:r>
-              <a:rPr lang="tr-TR" sz="2400" dirty="0" err="1"/>
-              <a:t>default</a:t>
-            </a:r>
-            <a:r>
-              <a:rPr lang="tr-TR" sz="2400" dirty="0"/>
-              <a:t> </a:t>
-            </a:r>
-            <a:r>
-              <a:rPr lang="tr-TR" sz="2400" dirty="0" err="1"/>
-              <a:t>configurations</a:t>
-            </a:r>
-            <a:endParaRPr lang="tr-TR" sz="2400" dirty="0"/>
-          </a:p>
-          <a:p>
-            <a:r>
-              <a:rPr lang="tr-TR" sz="2400" dirty="0"/>
+              <a:rPr lang="en-GB" sz="2400"/>
+              <a:t> 		ESM-Tools default configurations</a:t>
+            </a:r>
+          </a:p>
+          <a:p>
+            <a:r>
+              <a:rPr lang="en-GB" sz="2400"/>
               <a:t>	</a:t>
             </a:r>
             <a:r>
-              <a:rPr lang="tr-TR" sz="2000" dirty="0" err="1">
+              <a:rPr lang="en-GB" sz="2000">
                 <a:latin typeface="Monaco" pitchFamily="2" charset="77"/>
               </a:rPr>
-              <a:t>esm_software</a:t>
-            </a:r>
-            <a:r>
-              <a:rPr lang="tr-TR" sz="2000" dirty="0">
-                <a:latin typeface="Monaco" pitchFamily="2" charset="77"/>
-              </a:rPr>
-              <a:t> </a:t>
-            </a:r>
-            <a:r>
-              <a:rPr lang="tr-TR" sz="2400" dirty="0"/>
+              <a:t>esm_software </a:t>
+            </a:r>
+            <a:r>
+              <a:rPr lang="en-GB" sz="2400"/>
+              <a:t>	Recipes and defaults for ESM-Runscripts and ESM-Master</a:t>
+            </a:r>
+          </a:p>
+          <a:p>
+            <a:r>
+              <a:rPr lang="en-GB" sz="2400"/>
               <a:t>	</a:t>
             </a:r>
             <a:r>
-              <a:rPr lang="tr-TR" sz="2400" dirty="0" err="1"/>
-              <a:t>Recipes</a:t>
-            </a:r>
-            <a:r>
-              <a:rPr lang="tr-TR" sz="2400" dirty="0"/>
-              <a:t> </a:t>
-            </a:r>
-            <a:r>
-              <a:rPr lang="tr-TR" sz="2400" dirty="0" err="1"/>
-              <a:t>and</a:t>
-            </a:r>
-            <a:r>
-              <a:rPr lang="tr-TR" sz="2400" dirty="0"/>
-              <a:t> </a:t>
-            </a:r>
-            <a:r>
-              <a:rPr lang="tr-TR" sz="2400" dirty="0" err="1"/>
-              <a:t>defaults</a:t>
-            </a:r>
-            <a:r>
-              <a:rPr lang="tr-TR" sz="2400" dirty="0"/>
-              <a:t> </a:t>
-            </a:r>
-            <a:r>
-              <a:rPr lang="tr-TR" sz="2400" dirty="0" err="1"/>
-              <a:t>for</a:t>
-            </a:r>
-            <a:r>
-              <a:rPr lang="tr-TR" sz="2400" dirty="0"/>
-              <a:t> ESM-</a:t>
-            </a:r>
-            <a:r>
-              <a:rPr lang="tr-TR" sz="2400" dirty="0" err="1"/>
-              <a:t>Runscripts</a:t>
-            </a:r>
-            <a:r>
-              <a:rPr lang="tr-TR" sz="2400" dirty="0"/>
-              <a:t> </a:t>
-            </a:r>
-            <a:r>
-              <a:rPr lang="tr-TR" sz="2400" dirty="0" err="1"/>
-              <a:t>and</a:t>
-            </a:r>
-            <a:r>
-              <a:rPr lang="tr-TR" sz="2400" dirty="0"/>
-              <a:t> ESM-Master</a:t>
-            </a:r>
-          </a:p>
-          <a:p>
-            <a:r>
-              <a:rPr lang="tr-TR" sz="2400" dirty="0"/>
-              <a:t>	</a:t>
-            </a:r>
-            <a:r>
-              <a:rPr lang="tr-TR" sz="2000" dirty="0" err="1">
+              <a:rPr lang="en-GB" sz="2000">
                 <a:latin typeface="Monaco" pitchFamily="2" charset="77"/>
               </a:rPr>
               <a:t>other_software</a:t>
             </a:r>
             <a:r>
-              <a:rPr lang="tr-TR" sz="2400" dirty="0"/>
-              <a:t>	</a:t>
-            </a:r>
-            <a:r>
-              <a:rPr lang="tr-TR" sz="2400" dirty="0" err="1"/>
-              <a:t>Job</a:t>
-            </a:r>
-            <a:r>
-              <a:rPr lang="tr-TR" sz="2400" dirty="0"/>
-              <a:t> </a:t>
-            </a:r>
-            <a:r>
-              <a:rPr lang="tr-TR" sz="2400" dirty="0" err="1"/>
-              <a:t>schedulers</a:t>
-            </a:r>
-            <a:r>
-              <a:rPr lang="tr-TR" sz="2400" dirty="0"/>
-              <a:t> </a:t>
-            </a:r>
-            <a:r>
-              <a:rPr lang="tr-TR" sz="2400" dirty="0" err="1"/>
-              <a:t>and</a:t>
-            </a:r>
-            <a:r>
-              <a:rPr lang="tr-TR" sz="2400" dirty="0"/>
-              <a:t> </a:t>
-            </a:r>
-            <a:r>
-              <a:rPr lang="tr-TR" sz="2400" dirty="0" err="1"/>
-              <a:t>other</a:t>
-            </a:r>
-            <a:r>
-              <a:rPr lang="tr-TR" sz="2400" dirty="0"/>
-              <a:t> </a:t>
-            </a:r>
-            <a:r>
-              <a:rPr lang="tr-TR" sz="2400" dirty="0" err="1"/>
-              <a:t>external</a:t>
-            </a:r>
-            <a:r>
-              <a:rPr lang="tr-TR" sz="2400" dirty="0"/>
-              <a:t> software </a:t>
-            </a:r>
-            <a:r>
-              <a:rPr lang="tr-TR" sz="2400" dirty="0" err="1"/>
-              <a:t>configurations</a:t>
-            </a:r>
-            <a:endParaRPr lang="tr-TR" sz="2400" dirty="0"/>
+              <a:rPr lang="en-GB" sz="2400"/>
+              <a:t>	Job schedulers and other external software configurations</a:t>
+            </a:r>
           </a:p>
         </p:txBody>
       </p:sp>
